--- a/doc/graph.pptx
+++ b/doc/graph.pptx
@@ -243,7 +243,7 @@
           <a:p>
             <a:fld id="{706AA5AE-6E0A-4A15-AF3F-AE305FDC531C}" type="datetimeFigureOut">
               <a:rPr lang="en-US" smtClean="0"/>
-              <a:t>1/26/22</a:t>
+              <a:t>2/8/22</a:t>
             </a:fld>
             <a:endParaRPr lang="en-US"/>
           </a:p>
@@ -413,7 +413,7 @@
           <a:p>
             <a:fld id="{706AA5AE-6E0A-4A15-AF3F-AE305FDC531C}" type="datetimeFigureOut">
               <a:rPr lang="en-US" smtClean="0"/>
-              <a:t>1/26/22</a:t>
+              <a:t>2/8/22</a:t>
             </a:fld>
             <a:endParaRPr lang="en-US"/>
           </a:p>
@@ -593,7 +593,7 @@
           <a:p>
             <a:fld id="{706AA5AE-6E0A-4A15-AF3F-AE305FDC531C}" type="datetimeFigureOut">
               <a:rPr lang="en-US" smtClean="0"/>
-              <a:t>1/26/22</a:t>
+              <a:t>2/8/22</a:t>
             </a:fld>
             <a:endParaRPr lang="en-US"/>
           </a:p>
@@ -763,7 +763,7 @@
           <a:p>
             <a:fld id="{706AA5AE-6E0A-4A15-AF3F-AE305FDC531C}" type="datetimeFigureOut">
               <a:rPr lang="en-US" smtClean="0"/>
-              <a:t>1/26/22</a:t>
+              <a:t>2/8/22</a:t>
             </a:fld>
             <a:endParaRPr lang="en-US"/>
           </a:p>
@@ -1007,7 +1007,7 @@
           <a:p>
             <a:fld id="{706AA5AE-6E0A-4A15-AF3F-AE305FDC531C}" type="datetimeFigureOut">
               <a:rPr lang="en-US" smtClean="0"/>
-              <a:t>1/26/22</a:t>
+              <a:t>2/8/22</a:t>
             </a:fld>
             <a:endParaRPr lang="en-US"/>
           </a:p>
@@ -1239,7 +1239,7 @@
           <a:p>
             <a:fld id="{706AA5AE-6E0A-4A15-AF3F-AE305FDC531C}" type="datetimeFigureOut">
               <a:rPr lang="en-US" smtClean="0"/>
-              <a:t>1/26/22</a:t>
+              <a:t>2/8/22</a:t>
             </a:fld>
             <a:endParaRPr lang="en-US"/>
           </a:p>
@@ -1606,7 +1606,7 @@
           <a:p>
             <a:fld id="{706AA5AE-6E0A-4A15-AF3F-AE305FDC531C}" type="datetimeFigureOut">
               <a:rPr lang="en-US" smtClean="0"/>
-              <a:t>1/26/22</a:t>
+              <a:t>2/8/22</a:t>
             </a:fld>
             <a:endParaRPr lang="en-US"/>
           </a:p>
@@ -1724,7 +1724,7 @@
           <a:p>
             <a:fld id="{706AA5AE-6E0A-4A15-AF3F-AE305FDC531C}" type="datetimeFigureOut">
               <a:rPr lang="en-US" smtClean="0"/>
-              <a:t>1/26/22</a:t>
+              <a:t>2/8/22</a:t>
             </a:fld>
             <a:endParaRPr lang="en-US"/>
           </a:p>
@@ -1819,7 +1819,7 @@
           <a:p>
             <a:fld id="{706AA5AE-6E0A-4A15-AF3F-AE305FDC531C}" type="datetimeFigureOut">
               <a:rPr lang="en-US" smtClean="0"/>
-              <a:t>1/26/22</a:t>
+              <a:t>2/8/22</a:t>
             </a:fld>
             <a:endParaRPr lang="en-US"/>
           </a:p>
@@ -2096,7 +2096,7 @@
           <a:p>
             <a:fld id="{706AA5AE-6E0A-4A15-AF3F-AE305FDC531C}" type="datetimeFigureOut">
               <a:rPr lang="en-US" smtClean="0"/>
-              <a:t>1/26/22</a:t>
+              <a:t>2/8/22</a:t>
             </a:fld>
             <a:endParaRPr lang="en-US"/>
           </a:p>
@@ -2353,7 +2353,7 @@
           <a:p>
             <a:fld id="{706AA5AE-6E0A-4A15-AF3F-AE305FDC531C}" type="datetimeFigureOut">
               <a:rPr lang="en-US" smtClean="0"/>
-              <a:t>1/26/22</a:t>
+              <a:t>2/8/22</a:t>
             </a:fld>
             <a:endParaRPr lang="en-US"/>
           </a:p>
@@ -2566,7 +2566,7 @@
           <a:p>
             <a:fld id="{706AA5AE-6E0A-4A15-AF3F-AE305FDC531C}" type="datetimeFigureOut">
               <a:rPr lang="en-US" smtClean="0"/>
-              <a:t>1/26/22</a:t>
+              <a:t>2/8/22</a:t>
             </a:fld>
             <a:endParaRPr lang="en-US"/>
           </a:p>
@@ -2985,7 +2985,7 @@
         </p:nvSpPr>
         <p:spPr>
           <a:xfrm>
-            <a:off x="2979000" y="695329"/>
+            <a:off x="2979000" y="346584"/>
             <a:ext cx="900000" cy="432000"/>
           </a:xfrm>
           <a:prstGeom prst="roundRect">
@@ -3032,7 +3032,7 @@
           <a:p>
             <a:pPr algn="ctr"/>
             <a:r>
-              <a:rPr lang="en-US" sz="1001" b="1">
+              <a:rPr lang="en-US" sz="1001" b="1" dirty="0">
                 <a:solidFill>
                   <a:schemeClr val="accent5">
                     <a:lumMod val="50000"/>
@@ -3044,7 +3044,7 @@
               <a:t>Raw</a:t>
             </a:r>
             <a:br>
-              <a:rPr lang="en-US" sz="1001" b="1">
+              <a:rPr lang="en-US" sz="1001" b="1" dirty="0">
                 <a:solidFill>
                   <a:schemeClr val="accent5">
                     <a:lumMod val="50000"/>
@@ -3055,7 +3055,7 @@
               </a:rPr>
             </a:br>
             <a:r>
-              <a:rPr lang="en-US" sz="1001" b="1">
+              <a:rPr lang="en-US" sz="1001" b="1" dirty="0">
                 <a:solidFill>
                   <a:schemeClr val="accent5">
                     <a:lumMod val="50000"/>
@@ -3066,15 +3066,6 @@
               </a:rPr>
               <a:t>Sequence</a:t>
             </a:r>
-            <a:endParaRPr lang="en-US" sz="1001" b="1" dirty="0">
-              <a:solidFill>
-                <a:schemeClr val="accent5">
-                  <a:lumMod val="50000"/>
-                </a:schemeClr>
-              </a:solidFill>
-              <a:latin typeface="Arial" panose="020B0604020202020204" pitchFamily="34" charset="0"/>
-              <a:cs typeface="Arial" panose="020B0604020202020204" pitchFamily="34" charset="0"/>
-            </a:endParaRPr>
           </a:p>
         </p:txBody>
       </p:sp>
@@ -3092,7 +3083,7 @@
         </p:nvSpPr>
         <p:spPr>
           <a:xfrm>
-            <a:off x="2979000" y="1445244"/>
+            <a:off x="2979000" y="1049321"/>
             <a:ext cx="900000" cy="360000"/>
           </a:xfrm>
           <a:prstGeom prst="roundRect">
@@ -3167,7 +3158,7 @@
         </p:nvGrpSpPr>
         <p:grpSpPr>
           <a:xfrm>
-            <a:off x="2529000" y="2243816"/>
+            <a:off x="2529000" y="3085534"/>
             <a:ext cx="1800000" cy="432000"/>
             <a:chOff x="2637497" y="2002516"/>
             <a:chExt cx="1800000" cy="432000"/>
@@ -3384,7 +3375,7 @@
         </p:nvSpPr>
         <p:spPr>
           <a:xfrm>
-            <a:off x="4545995" y="3371638"/>
+            <a:off x="4545995" y="3668594"/>
             <a:ext cx="900000" cy="360000"/>
           </a:xfrm>
           <a:prstGeom prst="roundRect">
@@ -3459,7 +3450,7 @@
         </p:nvSpPr>
         <p:spPr>
           <a:xfrm>
-            <a:off x="3429000" y="5938145"/>
+            <a:off x="3429000" y="6055771"/>
             <a:ext cx="900000" cy="432000"/>
           </a:xfrm>
           <a:prstGeom prst="roundRect">
@@ -3557,7 +3548,7 @@
         </p:nvSpPr>
         <p:spPr>
           <a:xfrm>
-            <a:off x="4545995" y="2789727"/>
+            <a:off x="4545995" y="3086683"/>
             <a:ext cx="900000" cy="432000"/>
           </a:xfrm>
           <a:prstGeom prst="roundRect">
@@ -3655,7 +3646,7 @@
         </p:nvSpPr>
         <p:spPr>
           <a:xfrm>
-            <a:off x="421432" y="6798241"/>
+            <a:off x="1404000" y="6854773"/>
             <a:ext cx="900000" cy="360000"/>
           </a:xfrm>
           <a:prstGeom prst="roundRect">
@@ -3730,8 +3721,8 @@
         </p:nvSpPr>
         <p:spPr>
           <a:xfrm>
-            <a:off x="2529000" y="6778683"/>
-            <a:ext cx="900000" cy="432000"/>
+            <a:off x="2529000" y="6835215"/>
+            <a:ext cx="900000" cy="360000"/>
           </a:xfrm>
           <a:prstGeom prst="roundRect">
             <a:avLst/>
@@ -3788,38 +3779,6 @@
               </a:rPr>
               <a:t>Beta</a:t>
             </a:r>
-            <a:br>
-              <a:rPr lang="en-US" sz="1001" b="1" dirty="0">
-                <a:solidFill>
-                  <a:schemeClr val="accent4">
-                    <a:lumMod val="50000"/>
-                  </a:schemeClr>
-                </a:solidFill>
-                <a:latin typeface="Arial" panose="020B0604020202020204" pitchFamily="34" charset="0"/>
-                <a:cs typeface="Arial" panose="020B0604020202020204" pitchFamily="34" charset="0"/>
-              </a:rPr>
-            </a:br>
-            <a:r>
-              <a:rPr lang="en-US" sz="800" b="1" dirty="0" err="1">
-                <a:solidFill>
-                  <a:schemeClr val="accent4">
-                    <a:lumMod val="50000"/>
-                  </a:schemeClr>
-                </a:solidFill>
-                <a:latin typeface="Arial" panose="020B0604020202020204" pitchFamily="34" charset="0"/>
-                <a:cs typeface="Arial" panose="020B0604020202020204" pitchFamily="34" charset="0"/>
-              </a:rPr>
-              <a:t>UniFrac</a:t>
-            </a:r>
-            <a:endParaRPr lang="en-US" sz="1001" b="1" dirty="0">
-              <a:solidFill>
-                <a:schemeClr val="accent4">
-                  <a:lumMod val="50000"/>
-                </a:schemeClr>
-              </a:solidFill>
-              <a:latin typeface="Arial" panose="020B0604020202020204" pitchFamily="34" charset="0"/>
-              <a:cs typeface="Arial" panose="020B0604020202020204" pitchFamily="34" charset="0"/>
-            </a:endParaRPr>
           </a:p>
         </p:txBody>
       </p:sp>
@@ -3841,8 +3800,8 @@
         </p:nvCxnSpPr>
         <p:spPr>
           <a:xfrm>
-            <a:off x="3429000" y="1127329"/>
-            <a:ext cx="0" cy="317915"/>
+            <a:off x="3429000" y="778584"/>
+            <a:ext cx="0" cy="270737"/>
           </a:xfrm>
           <a:prstGeom prst="straightConnector1">
             <a:avLst/>
@@ -3882,15 +3841,15 @@
           </p:cNvPr>
           <p:cNvCxnSpPr>
             <a:cxnSpLocks/>
-            <a:stCxn id="101" idx="2"/>
+            <a:stCxn id="53" idx="2"/>
             <a:endCxn id="103" idx="0"/>
           </p:cNvCxnSpPr>
           <p:nvPr/>
         </p:nvCxnSpPr>
         <p:spPr>
           <a:xfrm rot="16200000" flipH="1">
-            <a:off x="3434714" y="1799530"/>
-            <a:ext cx="438572" cy="450000"/>
+            <a:off x="3518631" y="2725165"/>
+            <a:ext cx="270738" cy="450000"/>
           </a:xfrm>
           <a:prstGeom prst="curvedConnector3">
             <a:avLst>
@@ -3932,15 +3891,15 @@
           </p:cNvPr>
           <p:cNvCxnSpPr>
             <a:cxnSpLocks/>
-            <a:stCxn id="101" idx="2"/>
+            <a:stCxn id="53" idx="2"/>
             <a:endCxn id="102" idx="0"/>
           </p:cNvCxnSpPr>
           <p:nvPr/>
         </p:nvCxnSpPr>
         <p:spPr>
           <a:xfrm rot="5400000">
-            <a:off x="2984714" y="1799530"/>
-            <a:ext cx="438572" cy="450000"/>
+            <a:off x="3068631" y="2725165"/>
+            <a:ext cx="270738" cy="450000"/>
           </a:xfrm>
           <a:prstGeom prst="curvedConnector3">
             <a:avLst>
@@ -3989,8 +3948,8 @@
         </p:nvCxnSpPr>
         <p:spPr>
           <a:xfrm rot="5400000">
-            <a:off x="3080888" y="3023928"/>
-            <a:ext cx="1146224" cy="450000"/>
+            <a:off x="3353269" y="3593265"/>
+            <a:ext cx="601462" cy="450000"/>
           </a:xfrm>
           <a:prstGeom prst="curvedConnector3">
             <a:avLst>
@@ -4035,7 +3994,7 @@
         </p:nvSpPr>
         <p:spPr>
           <a:xfrm>
-            <a:off x="3429000" y="5309703"/>
+            <a:off x="3429000" y="5410180"/>
             <a:ext cx="900000" cy="432000"/>
           </a:xfrm>
           <a:prstGeom prst="roundRect">
@@ -4137,8 +4096,8 @@
         </p:nvCxnSpPr>
         <p:spPr>
           <a:xfrm>
-            <a:off x="3879000" y="5741703"/>
-            <a:ext cx="0" cy="196442"/>
+            <a:off x="3879000" y="5842180"/>
+            <a:ext cx="0" cy="213591"/>
           </a:xfrm>
           <a:prstGeom prst="straightConnector1">
             <a:avLst/>
@@ -4179,16 +4138,16 @@
           <p:cNvCxnSpPr>
             <a:cxnSpLocks/>
             <a:stCxn id="103" idx="3"/>
-            <a:endCxn id="106" idx="0"/>
+            <a:endCxn id="106" idx="1"/>
           </p:cNvCxnSpPr>
           <p:nvPr/>
         </p:nvCxnSpPr>
         <p:spPr>
           <a:xfrm>
-            <a:off x="4329000" y="2459816"/>
-            <a:ext cx="666995" cy="329911"/>
-          </a:xfrm>
-          <a:prstGeom prst="curvedConnector2">
+            <a:off x="4329000" y="3301534"/>
+            <a:ext cx="216995" cy="1149"/>
+          </a:xfrm>
+          <a:prstGeom prst="straightConnector1">
             <a:avLst/>
           </a:prstGeom>
           <a:ln w="19050">
@@ -4233,8 +4192,8 @@
         </p:nvCxnSpPr>
         <p:spPr>
           <a:xfrm rot="5400000">
-            <a:off x="1079032" y="4898272"/>
-            <a:ext cx="1692369" cy="2107568"/>
+            <a:off x="1587408" y="5463180"/>
+            <a:ext cx="1658185" cy="1125000"/>
           </a:xfrm>
           <a:prstGeom prst="curvedConnector3">
             <a:avLst>
@@ -4283,7 +4242,7 @@
         </p:nvCxnSpPr>
         <p:spPr>
           <a:xfrm>
-            <a:off x="4995995" y="3221727"/>
+            <a:off x="4995995" y="3518683"/>
             <a:ext cx="0" cy="149911"/>
           </a:xfrm>
           <a:prstGeom prst="straightConnector1">
@@ -4331,8 +4290,8 @@
         </p:nvCxnSpPr>
         <p:spPr>
           <a:xfrm>
-            <a:off x="2979000" y="5105872"/>
-            <a:ext cx="0" cy="1672811"/>
+            <a:off x="2979000" y="5196588"/>
+            <a:ext cx="0" cy="1638627"/>
           </a:xfrm>
           <a:prstGeom prst="straightConnector1">
             <a:avLst/>
@@ -4379,8 +4338,8 @@
         </p:nvCxnSpPr>
         <p:spPr>
           <a:xfrm rot="5400000">
-            <a:off x="3224731" y="6124414"/>
-            <a:ext cx="408538" cy="900000"/>
+            <a:off x="3255278" y="6211493"/>
+            <a:ext cx="347444" cy="900000"/>
           </a:xfrm>
           <a:prstGeom prst="curvedConnector3">
             <a:avLst>
@@ -4425,7 +4384,7 @@
         </p:nvSpPr>
         <p:spPr>
           <a:xfrm>
-            <a:off x="2529000" y="7440804"/>
+            <a:off x="2529000" y="7497336"/>
             <a:ext cx="900000" cy="432000"/>
           </a:xfrm>
           <a:prstGeom prst="roundRect">
@@ -4527,8 +4486,8 @@
         </p:nvCxnSpPr>
         <p:spPr>
           <a:xfrm>
-            <a:off x="2979000" y="7210683"/>
-            <a:ext cx="0" cy="230121"/>
+            <a:off x="2979000" y="7195215"/>
+            <a:ext cx="0" cy="302121"/>
           </a:xfrm>
           <a:prstGeom prst="straightConnector1">
             <a:avLst/>
@@ -4571,7 +4530,7 @@
         </p:nvSpPr>
         <p:spPr>
           <a:xfrm>
-            <a:off x="2979000" y="3822040"/>
+            <a:off x="2979000" y="4118996"/>
             <a:ext cx="900000" cy="432000"/>
           </a:xfrm>
           <a:prstGeom prst="roundRect">
@@ -4673,8 +4632,8 @@
         </p:nvCxnSpPr>
         <p:spPr>
           <a:xfrm rot="16200000" flipH="1">
-            <a:off x="2630888" y="3023928"/>
-            <a:ext cx="1146224" cy="450000"/>
+            <a:off x="2903269" y="3593265"/>
+            <a:ext cx="601462" cy="450000"/>
           </a:xfrm>
           <a:prstGeom prst="curvedConnector3">
             <a:avLst>
@@ -4723,7 +4682,7 @@
         </p:nvCxnSpPr>
         <p:spPr>
           <a:xfrm rot="10800000" flipV="1">
-            <a:off x="3429001" y="3551638"/>
+            <a:off x="3429001" y="3848594"/>
             <a:ext cx="1116995" cy="270402"/>
           </a:xfrm>
           <a:prstGeom prst="curvedConnector2">
@@ -4767,7 +4726,7 @@
         </p:nvGrpSpPr>
         <p:grpSpPr>
           <a:xfrm>
-            <a:off x="2529000" y="4673872"/>
+            <a:off x="2529000" y="4764588"/>
             <a:ext cx="1800000" cy="432000"/>
             <a:chOff x="2745995" y="4432572"/>
             <a:chExt cx="1800000" cy="432000"/>
@@ -4988,8 +4947,8 @@
         </p:nvCxnSpPr>
         <p:spPr>
           <a:xfrm rot="16200000" flipH="1">
-            <a:off x="3444084" y="4238956"/>
-            <a:ext cx="419832" cy="450000"/>
+            <a:off x="3547204" y="4432792"/>
+            <a:ext cx="213592" cy="450000"/>
           </a:xfrm>
           <a:prstGeom prst="curvedConnector3">
             <a:avLst>
@@ -5038,8 +4997,8 @@
         </p:nvCxnSpPr>
         <p:spPr>
           <a:xfrm rot="5400000">
-            <a:off x="2994084" y="4238956"/>
-            <a:ext cx="419832" cy="450000"/>
+            <a:off x="3097204" y="4432792"/>
+            <a:ext cx="213592" cy="450000"/>
           </a:xfrm>
           <a:prstGeom prst="curvedConnector3">
             <a:avLst>
@@ -5088,8 +5047,8 @@
         </p:nvCxnSpPr>
         <p:spPr>
           <a:xfrm>
-            <a:off x="3879000" y="5105872"/>
-            <a:ext cx="0" cy="203831"/>
+            <a:off x="3879000" y="5196588"/>
+            <a:ext cx="0" cy="213592"/>
           </a:xfrm>
           <a:prstGeom prst="straightConnector1">
             <a:avLst/>
@@ -5120,10 +5079,10 @@
       </p:cxnSp>
       <p:sp>
         <p:nvSpPr>
-          <p:cNvPr id="244" name="Rectangle: Rounded Corners 243">
+          <p:cNvPr id="245" name="Rectangle: Rounded Corners 244">
             <a:extLst>
               <a:ext uri="{FF2B5EF4-FFF2-40B4-BE49-F238E27FC236}">
-                <a16:creationId xmlns:a16="http://schemas.microsoft.com/office/drawing/2014/main" id="{F46E6B27-3DD5-4FEC-B950-C12D58E56D83}"/>
+                <a16:creationId xmlns:a16="http://schemas.microsoft.com/office/drawing/2014/main" id="{AE710784-ECE8-4F30-BECF-52A917CCEF7F}"/>
               </a:ext>
             </a:extLst>
           </p:cNvPr>
@@ -5132,8 +5091,8 @@
         </p:nvSpPr>
         <p:spPr>
           <a:xfrm>
-            <a:off x="1500264" y="8102925"/>
-            <a:ext cx="900000" cy="360000"/>
+            <a:off x="2529000" y="8159457"/>
+            <a:ext cx="900000" cy="432000"/>
           </a:xfrm>
           <a:prstGeom prst="roundRect">
             <a:avLst/>
@@ -5190,24 +5149,50 @@
               </a:rPr>
               <a:t>PCoA</a:t>
             </a:r>
-            <a:endParaRPr lang="en-US" sz="1001" b="1" dirty="0">
-              <a:solidFill>
-                <a:schemeClr val="accent4">
-                  <a:lumMod val="50000"/>
-                </a:schemeClr>
-              </a:solidFill>
-              <a:latin typeface="Arial" panose="020B0604020202020204" pitchFamily="34" charset="0"/>
-              <a:cs typeface="Arial" panose="020B0604020202020204" pitchFamily="34" charset="0"/>
-            </a:endParaRPr>
-          </a:p>
-        </p:txBody>
-      </p:sp>
-      <p:sp>
-        <p:nvSpPr>
-          <p:cNvPr id="245" name="Rectangle: Rounded Corners 244">
+            <a:r>
+              <a:rPr lang="en-US" sz="1001" b="1" dirty="0">
+                <a:solidFill>
+                  <a:schemeClr val="accent4">
+                    <a:lumMod val="50000"/>
+                  </a:schemeClr>
+                </a:solidFill>
+                <a:latin typeface="Arial" panose="020B0604020202020204" pitchFamily="34" charset="0"/>
+                <a:cs typeface="Arial" panose="020B0604020202020204" pitchFamily="34" charset="0"/>
+              </a:rPr>
+              <a:t> NMDS</a:t>
+            </a:r>
+            <a:br>
+              <a:rPr lang="en-US" sz="1001" b="1" dirty="0">
+                <a:solidFill>
+                  <a:schemeClr val="accent4">
+                    <a:lumMod val="50000"/>
+                  </a:schemeClr>
+                </a:solidFill>
+                <a:latin typeface="Arial" panose="020B0604020202020204" pitchFamily="34" charset="0"/>
+                <a:cs typeface="Arial" panose="020B0604020202020204" pitchFamily="34" charset="0"/>
+              </a:rPr>
+            </a:br>
+            <a:r>
+              <a:rPr lang="en-US" sz="1001" b="1" dirty="0">
+                <a:solidFill>
+                  <a:schemeClr val="accent4">
+                    <a:lumMod val="50000"/>
+                  </a:schemeClr>
+                </a:solidFill>
+                <a:latin typeface="Arial" panose="020B0604020202020204" pitchFamily="34" charset="0"/>
+                <a:cs typeface="Arial" panose="020B0604020202020204" pitchFamily="34" charset="0"/>
+              </a:rPr>
+              <a:t>t-SNE</a:t>
+            </a:r>
+          </a:p>
+        </p:txBody>
+      </p:sp>
+      <p:sp>
+        <p:nvSpPr>
+          <p:cNvPr id="256" name="Rectangle: Rounded Corners 255">
             <a:extLst>
               <a:ext uri="{FF2B5EF4-FFF2-40B4-BE49-F238E27FC236}">
-                <a16:creationId xmlns:a16="http://schemas.microsoft.com/office/drawing/2014/main" id="{AE710784-ECE8-4F30-BECF-52A917CCEF7F}"/>
+                <a16:creationId xmlns:a16="http://schemas.microsoft.com/office/drawing/2014/main" id="{D488AFC7-31AE-4A61-A0CF-7B8401F748C8}"/>
               </a:ext>
             </a:extLst>
           </p:cNvPr>
@@ -5216,8 +5201,325 @@
         </p:nvSpPr>
         <p:spPr>
           <a:xfrm>
-            <a:off x="2529000" y="8102925"/>
-            <a:ext cx="900000" cy="360000"/>
+            <a:off x="1404000" y="7497336"/>
+            <a:ext cx="900000" cy="432000"/>
+          </a:xfrm>
+          <a:prstGeom prst="roundRect">
+            <a:avLst/>
+          </a:prstGeom>
+          <a:solidFill>
+            <a:schemeClr val="accent5">
+              <a:lumMod val="40000"/>
+              <a:lumOff val="60000"/>
+            </a:schemeClr>
+          </a:solidFill>
+          <a:ln w="19050">
+            <a:solidFill>
+              <a:schemeClr val="accent5">
+                <a:lumMod val="50000"/>
+              </a:schemeClr>
+            </a:solidFill>
+          </a:ln>
+        </p:spPr>
+        <p:style>
+          <a:lnRef idx="2">
+            <a:schemeClr val="accent1">
+              <a:shade val="50000"/>
+            </a:schemeClr>
+          </a:lnRef>
+          <a:fillRef idx="1">
+            <a:schemeClr val="accent1"/>
+          </a:fillRef>
+          <a:effectRef idx="0">
+            <a:schemeClr val="accent1"/>
+          </a:effectRef>
+          <a:fontRef idx="minor">
+            <a:schemeClr val="lt1"/>
+          </a:fontRef>
+        </p:style>
+        <p:txBody>
+          <a:bodyPr rot="0" spcFirstLastPara="0" vertOverflow="overflow" horzOverflow="overflow" vert="horz" wrap="square" lIns="0" tIns="0" rIns="0" bIns="0" numCol="1" spcCol="0" rtlCol="0" fromWordArt="0" anchor="ctr" anchorCtr="0" forceAA="0" compatLnSpc="1">
+            <a:prstTxWarp prst="textNoShape">
+              <a:avLst/>
+            </a:prstTxWarp>
+            <a:noAutofit/>
+          </a:bodyPr>
+          <a:lstStyle/>
+          <a:p>
+            <a:pPr algn="ctr"/>
+            <a:r>
+              <a:rPr lang="en-US" sz="1001" b="1" dirty="0">
+                <a:solidFill>
+                  <a:schemeClr val="accent5">
+                    <a:lumMod val="50000"/>
+                  </a:schemeClr>
+                </a:solidFill>
+                <a:latin typeface="Arial" panose="020B0604020202020204" pitchFamily="34" charset="0"/>
+                <a:cs typeface="Arial" panose="020B0604020202020204" pitchFamily="34" charset="0"/>
+              </a:rPr>
+              <a:t>Alpha</a:t>
+            </a:r>
+            <a:br>
+              <a:rPr lang="en-US" sz="1001" b="1" dirty="0">
+                <a:solidFill>
+                  <a:schemeClr val="accent5">
+                    <a:lumMod val="50000"/>
+                  </a:schemeClr>
+                </a:solidFill>
+                <a:latin typeface="Arial" panose="020B0604020202020204" pitchFamily="34" charset="0"/>
+                <a:cs typeface="Arial" panose="020B0604020202020204" pitchFamily="34" charset="0"/>
+              </a:rPr>
+            </a:br>
+            <a:r>
+              <a:rPr lang="en-US" sz="1001" b="1" dirty="0">
+                <a:solidFill>
+                  <a:schemeClr val="accent5">
+                    <a:lumMod val="50000"/>
+                  </a:schemeClr>
+                </a:solidFill>
+                <a:latin typeface="Arial" panose="020B0604020202020204" pitchFamily="34" charset="0"/>
+                <a:cs typeface="Arial" panose="020B0604020202020204" pitchFamily="34" charset="0"/>
+              </a:rPr>
+              <a:t>Indexes</a:t>
+            </a:r>
+          </a:p>
+        </p:txBody>
+      </p:sp>
+      <p:cxnSp>
+        <p:nvCxnSpPr>
+          <p:cNvPr id="283" name="Straight Arrow Connector 282">
+            <a:extLst>
+              <a:ext uri="{FF2B5EF4-FFF2-40B4-BE49-F238E27FC236}">
+                <a16:creationId xmlns:a16="http://schemas.microsoft.com/office/drawing/2014/main" id="{D6F8C0F0-4EF1-4176-BDF4-66B045FFE3D6}"/>
+              </a:ext>
+            </a:extLst>
+          </p:cNvPr>
+          <p:cNvCxnSpPr>
+            <a:cxnSpLocks/>
+            <a:stCxn id="107" idx="2"/>
+            <a:endCxn id="256" idx="0"/>
+          </p:cNvCxnSpPr>
+          <p:nvPr/>
+        </p:nvCxnSpPr>
+        <p:spPr>
+          <a:xfrm>
+            <a:off x="1854000" y="7214773"/>
+            <a:ext cx="0" cy="282563"/>
+          </a:xfrm>
+          <a:prstGeom prst="straightConnector1">
+            <a:avLst/>
+          </a:prstGeom>
+          <a:ln w="19050">
+            <a:solidFill>
+              <a:schemeClr val="accent4">
+                <a:lumMod val="50000"/>
+              </a:schemeClr>
+            </a:solidFill>
+            <a:tailEnd type="triangle"/>
+          </a:ln>
+        </p:spPr>
+        <p:style>
+          <a:lnRef idx="1">
+            <a:schemeClr val="accent1"/>
+          </a:lnRef>
+          <a:fillRef idx="0">
+            <a:schemeClr val="accent1"/>
+          </a:fillRef>
+          <a:effectRef idx="0">
+            <a:schemeClr val="accent1"/>
+          </a:effectRef>
+          <a:fontRef idx="minor">
+            <a:schemeClr val="tx1"/>
+          </a:fontRef>
+        </p:style>
+      </p:cxnSp>
+      <p:cxnSp>
+        <p:nvCxnSpPr>
+          <p:cNvPr id="305" name="Straight Arrow Connector 50">
+            <a:extLst>
+              <a:ext uri="{FF2B5EF4-FFF2-40B4-BE49-F238E27FC236}">
+                <a16:creationId xmlns:a16="http://schemas.microsoft.com/office/drawing/2014/main" id="{8342574B-2FC4-4727-8DC5-8FFF2D493214}"/>
+              </a:ext>
+            </a:extLst>
+          </p:cNvPr>
+          <p:cNvCxnSpPr>
+            <a:cxnSpLocks/>
+            <a:stCxn id="131" idx="2"/>
+            <a:endCxn id="245" idx="0"/>
+          </p:cNvCxnSpPr>
+          <p:nvPr/>
+        </p:nvCxnSpPr>
+        <p:spPr>
+          <a:xfrm>
+            <a:off x="2979000" y="7929336"/>
+            <a:ext cx="0" cy="230121"/>
+          </a:xfrm>
+          <a:prstGeom prst="straightConnector1">
+            <a:avLst/>
+          </a:prstGeom>
+          <a:ln w="19050">
+            <a:solidFill>
+              <a:schemeClr val="accent4">
+                <a:lumMod val="50000"/>
+              </a:schemeClr>
+            </a:solidFill>
+            <a:tailEnd type="triangle"/>
+          </a:ln>
+        </p:spPr>
+        <p:style>
+          <a:lnRef idx="1">
+            <a:schemeClr val="accent1"/>
+          </a:lnRef>
+          <a:fillRef idx="0">
+            <a:schemeClr val="accent1"/>
+          </a:fillRef>
+          <a:effectRef idx="0">
+            <a:schemeClr val="accent1"/>
+          </a:effectRef>
+          <a:fontRef idx="minor">
+            <a:schemeClr val="tx1"/>
+          </a:fontRef>
+        </p:style>
+      </p:cxnSp>
+      <p:sp>
+        <p:nvSpPr>
+          <p:cNvPr id="313" name="Rectangle: Rounded Corners 312">
+            <a:extLst>
+              <a:ext uri="{FF2B5EF4-FFF2-40B4-BE49-F238E27FC236}">
+                <a16:creationId xmlns:a16="http://schemas.microsoft.com/office/drawing/2014/main" id="{76F5F15D-2329-478B-84DE-51AB7E1C49FE}"/>
+              </a:ext>
+            </a:extLst>
+          </p:cNvPr>
+          <p:cNvSpPr/>
+          <p:nvPr/>
+        </p:nvSpPr>
+        <p:spPr>
+          <a:xfrm>
+            <a:off x="2529000" y="8821578"/>
+            <a:ext cx="900000" cy="432000"/>
+          </a:xfrm>
+          <a:prstGeom prst="roundRect">
+            <a:avLst/>
+          </a:prstGeom>
+          <a:solidFill>
+            <a:schemeClr val="accent5">
+              <a:lumMod val="40000"/>
+              <a:lumOff val="60000"/>
+            </a:schemeClr>
+          </a:solidFill>
+          <a:ln w="19050">
+            <a:solidFill>
+              <a:schemeClr val="accent5">
+                <a:lumMod val="50000"/>
+              </a:schemeClr>
+            </a:solidFill>
+          </a:ln>
+        </p:spPr>
+        <p:style>
+          <a:lnRef idx="2">
+            <a:schemeClr val="accent1">
+              <a:shade val="50000"/>
+            </a:schemeClr>
+          </a:lnRef>
+          <a:fillRef idx="1">
+            <a:schemeClr val="accent1"/>
+          </a:fillRef>
+          <a:effectRef idx="0">
+            <a:schemeClr val="accent1"/>
+          </a:effectRef>
+          <a:fontRef idx="minor">
+            <a:schemeClr val="lt1"/>
+          </a:fontRef>
+        </p:style>
+        <p:txBody>
+          <a:bodyPr rot="0" spcFirstLastPara="0" vertOverflow="overflow" horzOverflow="overflow" vert="horz" wrap="square" lIns="0" tIns="0" rIns="0" bIns="0" numCol="1" spcCol="0" rtlCol="0" fromWordArt="0" anchor="ctr" anchorCtr="0" forceAA="0" compatLnSpc="1">
+            <a:prstTxWarp prst="textNoShape">
+              <a:avLst/>
+            </a:prstTxWarp>
+            <a:noAutofit/>
+          </a:bodyPr>
+          <a:lstStyle/>
+          <a:p>
+            <a:pPr algn="ctr"/>
+            <a:r>
+              <a:rPr lang="en-US" sz="1001" b="1" dirty="0">
+                <a:solidFill>
+                  <a:schemeClr val="accent5">
+                    <a:lumMod val="50000"/>
+                  </a:schemeClr>
+                </a:solidFill>
+                <a:latin typeface="Arial" panose="020B0604020202020204" pitchFamily="34" charset="0"/>
+                <a:cs typeface="Arial" panose="020B0604020202020204" pitchFamily="34" charset="0"/>
+              </a:rPr>
+              <a:t>Plots</a:t>
+            </a:r>
+          </a:p>
+        </p:txBody>
+      </p:sp>
+      <p:cxnSp>
+        <p:nvCxnSpPr>
+          <p:cNvPr id="319" name="Straight Arrow Connector 50">
+            <a:extLst>
+              <a:ext uri="{FF2B5EF4-FFF2-40B4-BE49-F238E27FC236}">
+                <a16:creationId xmlns:a16="http://schemas.microsoft.com/office/drawing/2014/main" id="{C35C95E7-B8A3-4A2D-8E9D-391A8DBD8077}"/>
+              </a:ext>
+            </a:extLst>
+          </p:cNvPr>
+          <p:cNvCxnSpPr>
+            <a:cxnSpLocks/>
+            <a:stCxn id="245" idx="2"/>
+            <a:endCxn id="313" idx="0"/>
+          </p:cNvCxnSpPr>
+          <p:nvPr/>
+        </p:nvCxnSpPr>
+        <p:spPr>
+          <a:xfrm>
+            <a:off x="2979000" y="8591457"/>
+            <a:ext cx="0" cy="230121"/>
+          </a:xfrm>
+          <a:prstGeom prst="straightConnector1">
+            <a:avLst/>
+          </a:prstGeom>
+          <a:ln w="19050">
+            <a:solidFill>
+              <a:schemeClr val="accent4">
+                <a:lumMod val="50000"/>
+              </a:schemeClr>
+            </a:solidFill>
+            <a:tailEnd type="triangle"/>
+          </a:ln>
+        </p:spPr>
+        <p:style>
+          <a:lnRef idx="1">
+            <a:schemeClr val="accent1"/>
+          </a:lnRef>
+          <a:fillRef idx="0">
+            <a:schemeClr val="accent1"/>
+          </a:fillRef>
+          <a:effectRef idx="0">
+            <a:schemeClr val="accent1"/>
+          </a:effectRef>
+          <a:fontRef idx="minor">
+            <a:schemeClr val="tx1"/>
+          </a:fontRef>
+        </p:style>
+      </p:cxnSp>
+      <p:sp>
+        <p:nvSpPr>
+          <p:cNvPr id="53" name="Rectangle: Rounded Corners 100">
+            <a:extLst>
+              <a:ext uri="{FF2B5EF4-FFF2-40B4-BE49-F238E27FC236}">
+                <a16:creationId xmlns:a16="http://schemas.microsoft.com/office/drawing/2014/main" id="{CA4CD037-A38E-3449-9596-FBAB7ACA7807}"/>
+              </a:ext>
+            </a:extLst>
+          </p:cNvPr>
+          <p:cNvSpPr/>
+          <p:nvPr/>
+        </p:nvSpPr>
+        <p:spPr>
+          <a:xfrm>
+            <a:off x="2979000" y="2382796"/>
+            <a:ext cx="900000" cy="432000"/>
           </a:xfrm>
           <a:prstGeom prst="roundRect">
             <a:avLst/>
@@ -5272,180 +5574,7 @@
                 <a:latin typeface="Arial" panose="020B0604020202020204" pitchFamily="34" charset="0"/>
                 <a:cs typeface="Arial" panose="020B0604020202020204" pitchFamily="34" charset="0"/>
               </a:rPr>
-              <a:t>NMDS</a:t>
-            </a:r>
-          </a:p>
-        </p:txBody>
-      </p:sp>
-      <p:sp>
-        <p:nvSpPr>
-          <p:cNvPr id="256" name="Rectangle: Rounded Corners 255">
-            <a:extLst>
-              <a:ext uri="{FF2B5EF4-FFF2-40B4-BE49-F238E27FC236}">
-                <a16:creationId xmlns:a16="http://schemas.microsoft.com/office/drawing/2014/main" id="{D488AFC7-31AE-4A61-A0CF-7B8401F748C8}"/>
-              </a:ext>
-            </a:extLst>
-          </p:cNvPr>
-          <p:cNvSpPr/>
-          <p:nvPr/>
-        </p:nvSpPr>
-        <p:spPr>
-          <a:xfrm>
-            <a:off x="421432" y="7440804"/>
-            <a:ext cx="900000" cy="432000"/>
-          </a:xfrm>
-          <a:prstGeom prst="roundRect">
-            <a:avLst/>
-          </a:prstGeom>
-          <a:solidFill>
-            <a:schemeClr val="accent5">
-              <a:lumMod val="40000"/>
-              <a:lumOff val="60000"/>
-            </a:schemeClr>
-          </a:solidFill>
-          <a:ln w="19050">
-            <a:solidFill>
-              <a:schemeClr val="accent5">
-                <a:lumMod val="50000"/>
-              </a:schemeClr>
-            </a:solidFill>
-          </a:ln>
-        </p:spPr>
-        <p:style>
-          <a:lnRef idx="2">
-            <a:schemeClr val="accent1">
-              <a:shade val="50000"/>
-            </a:schemeClr>
-          </a:lnRef>
-          <a:fillRef idx="1">
-            <a:schemeClr val="accent1"/>
-          </a:fillRef>
-          <a:effectRef idx="0">
-            <a:schemeClr val="accent1"/>
-          </a:effectRef>
-          <a:fontRef idx="minor">
-            <a:schemeClr val="lt1"/>
-          </a:fontRef>
-        </p:style>
-        <p:txBody>
-          <a:bodyPr rot="0" spcFirstLastPara="0" vertOverflow="overflow" horzOverflow="overflow" vert="horz" wrap="square" lIns="0" tIns="0" rIns="0" bIns="0" numCol="1" spcCol="0" rtlCol="0" fromWordArt="0" anchor="ctr" anchorCtr="0" forceAA="0" compatLnSpc="1">
-            <a:prstTxWarp prst="textNoShape">
-              <a:avLst/>
-            </a:prstTxWarp>
-            <a:noAutofit/>
-          </a:bodyPr>
-          <a:lstStyle/>
-          <a:p>
-            <a:pPr algn="ctr"/>
-            <a:r>
-              <a:rPr lang="en-US" sz="1001" b="1" dirty="0">
-                <a:solidFill>
-                  <a:schemeClr val="accent5">
-                    <a:lumMod val="50000"/>
-                  </a:schemeClr>
-                </a:solidFill>
-                <a:latin typeface="Arial" panose="020B0604020202020204" pitchFamily="34" charset="0"/>
-                <a:cs typeface="Arial" panose="020B0604020202020204" pitchFamily="34" charset="0"/>
-              </a:rPr>
-              <a:t>Alpha</a:t>
-            </a:r>
-            <a:br>
-              <a:rPr lang="en-US" sz="1001" b="1" dirty="0">
-                <a:solidFill>
-                  <a:schemeClr val="accent5">
-                    <a:lumMod val="50000"/>
-                  </a:schemeClr>
-                </a:solidFill>
-                <a:latin typeface="Arial" panose="020B0604020202020204" pitchFamily="34" charset="0"/>
-                <a:cs typeface="Arial" panose="020B0604020202020204" pitchFamily="34" charset="0"/>
-              </a:rPr>
-            </a:br>
-            <a:r>
-              <a:rPr lang="en-US" sz="1001" b="1" dirty="0">
-                <a:solidFill>
-                  <a:schemeClr val="accent5">
-                    <a:lumMod val="50000"/>
-                  </a:schemeClr>
-                </a:solidFill>
-                <a:latin typeface="Arial" panose="020B0604020202020204" pitchFamily="34" charset="0"/>
-                <a:cs typeface="Arial" panose="020B0604020202020204" pitchFamily="34" charset="0"/>
-              </a:rPr>
-              <a:t>Indexes</a:t>
-            </a:r>
-          </a:p>
-        </p:txBody>
-      </p:sp>
-      <p:sp>
-        <p:nvSpPr>
-          <p:cNvPr id="271" name="Rectangle: Rounded Corners 270">
-            <a:extLst>
-              <a:ext uri="{FF2B5EF4-FFF2-40B4-BE49-F238E27FC236}">
-                <a16:creationId xmlns:a16="http://schemas.microsoft.com/office/drawing/2014/main" id="{80D2EDD3-C879-43A3-8E31-4B5556A379BA}"/>
-              </a:ext>
-            </a:extLst>
-          </p:cNvPr>
-          <p:cNvSpPr/>
-          <p:nvPr/>
-        </p:nvSpPr>
-        <p:spPr>
-          <a:xfrm>
-            <a:off x="1500264" y="6793613"/>
-            <a:ext cx="900000" cy="432000"/>
-          </a:xfrm>
-          <a:prstGeom prst="roundRect">
-            <a:avLst/>
-          </a:prstGeom>
-          <a:solidFill>
-            <a:schemeClr val="accent4">
-              <a:lumMod val="40000"/>
-              <a:lumOff val="60000"/>
-            </a:schemeClr>
-          </a:solidFill>
-          <a:ln w="19050">
-            <a:solidFill>
-              <a:schemeClr val="accent4">
-                <a:lumMod val="50000"/>
-              </a:schemeClr>
-            </a:solidFill>
-          </a:ln>
-        </p:spPr>
-        <p:style>
-          <a:lnRef idx="2">
-            <a:schemeClr val="accent1">
-              <a:shade val="50000"/>
-            </a:schemeClr>
-          </a:lnRef>
-          <a:fillRef idx="1">
-            <a:schemeClr val="accent1"/>
-          </a:fillRef>
-          <a:effectRef idx="0">
-            <a:schemeClr val="accent1"/>
-          </a:effectRef>
-          <a:fontRef idx="minor">
-            <a:schemeClr val="lt1"/>
-          </a:fontRef>
-        </p:style>
-        <p:txBody>
-          <a:bodyPr rot="0" spcFirstLastPara="0" vertOverflow="overflow" horzOverflow="overflow" vert="horz" wrap="square" lIns="0" tIns="0" rIns="0" bIns="0" numCol="1" spcCol="0" rtlCol="0" fromWordArt="0" anchor="ctr" anchorCtr="0" forceAA="0" compatLnSpc="1">
-            <a:prstTxWarp prst="textNoShape">
-              <a:avLst/>
-            </a:prstTxWarp>
-            <a:noAutofit/>
-          </a:bodyPr>
-          <a:lstStyle/>
-          <a:p>
-            <a:pPr algn="ctr"/>
-            <a:r>
-              <a:rPr lang="en-US" sz="1001" b="1" dirty="0">
-                <a:solidFill>
-                  <a:schemeClr val="accent4">
-                    <a:lumMod val="50000"/>
-                  </a:schemeClr>
-                </a:solidFill>
-                <a:latin typeface="Arial" panose="020B0604020202020204" pitchFamily="34" charset="0"/>
-                <a:cs typeface="Arial" panose="020B0604020202020204" pitchFamily="34" charset="0"/>
-              </a:rPr>
-              <a:t>Beta</a:t>
+              <a:t>Clustering</a:t>
             </a:r>
             <a:br>
               <a:rPr lang="en-US" sz="1001" b="1" dirty="0">
@@ -5459,7 +5588,7 @@
               </a:rPr>
             </a:br>
             <a:r>
-              <a:rPr lang="en-US" sz="800" b="1" dirty="0">
+              <a:rPr lang="en-US" sz="900" b="1" dirty="0">
                 <a:solidFill>
                   <a:schemeClr val="accent4">
                     <a:lumMod val="50000"/>
@@ -5468,40 +5597,248 @@
                 <a:latin typeface="Arial" panose="020B0604020202020204" pitchFamily="34" charset="0"/>
                 <a:cs typeface="Arial" panose="020B0604020202020204" pitchFamily="34" charset="0"/>
               </a:rPr>
-              <a:t>Bray-Curtis</a:t>
-            </a:r>
-            <a:endParaRPr lang="en-US" sz="1001" b="1" dirty="0">
+              <a:t>(optional)</a:t>
+            </a:r>
+          </a:p>
+        </p:txBody>
+      </p:sp>
+      <p:grpSp>
+        <p:nvGrpSpPr>
+          <p:cNvPr id="56" name="Group 55">
+            <a:extLst>
+              <a:ext uri="{FF2B5EF4-FFF2-40B4-BE49-F238E27FC236}">
+                <a16:creationId xmlns:a16="http://schemas.microsoft.com/office/drawing/2014/main" id="{27165F3F-8AA9-6D4D-BC84-F008330E386A}"/>
+              </a:ext>
+            </a:extLst>
+          </p:cNvPr>
+          <p:cNvGrpSpPr/>
+          <p:nvPr/>
+        </p:nvGrpSpPr>
+        <p:grpSpPr>
+          <a:xfrm>
+            <a:off x="2529000" y="1680058"/>
+            <a:ext cx="1800000" cy="432000"/>
+            <a:chOff x="2637497" y="2002516"/>
+            <a:chExt cx="1800000" cy="432000"/>
+          </a:xfrm>
+        </p:grpSpPr>
+        <p:sp>
+          <p:nvSpPr>
+            <p:cNvPr id="57" name="Rectangle: Rounded Corners 101">
+              <a:extLst>
+                <a:ext uri="{FF2B5EF4-FFF2-40B4-BE49-F238E27FC236}">
+                  <a16:creationId xmlns:a16="http://schemas.microsoft.com/office/drawing/2014/main" id="{A8A804D4-149B-514E-92D2-BDE333ED4316}"/>
+                </a:ext>
+              </a:extLst>
+            </p:cNvPr>
+            <p:cNvSpPr/>
+            <p:nvPr/>
+          </p:nvSpPr>
+          <p:spPr>
+            <a:xfrm>
+              <a:off x="2637497" y="2002516"/>
+              <a:ext cx="900000" cy="432000"/>
+            </a:xfrm>
+            <a:prstGeom prst="roundRect">
+              <a:avLst/>
+            </a:prstGeom>
+            <a:solidFill>
+              <a:schemeClr val="accent5">
+                <a:lumMod val="40000"/>
+                <a:lumOff val="60000"/>
+              </a:schemeClr>
+            </a:solidFill>
+            <a:ln w="19050">
               <a:solidFill>
-                <a:schemeClr val="accent4">
+                <a:schemeClr val="accent5">
                   <a:lumMod val="50000"/>
                 </a:schemeClr>
               </a:solidFill>
-              <a:latin typeface="Arial" panose="020B0604020202020204" pitchFamily="34" charset="0"/>
-              <a:cs typeface="Arial" panose="020B0604020202020204" pitchFamily="34" charset="0"/>
-            </a:endParaRPr>
-          </a:p>
-        </p:txBody>
-      </p:sp>
+            </a:ln>
+          </p:spPr>
+          <p:style>
+            <a:lnRef idx="2">
+              <a:schemeClr val="accent1">
+                <a:shade val="50000"/>
+              </a:schemeClr>
+            </a:lnRef>
+            <a:fillRef idx="1">
+              <a:schemeClr val="accent1"/>
+            </a:fillRef>
+            <a:effectRef idx="0">
+              <a:schemeClr val="accent1"/>
+            </a:effectRef>
+            <a:fontRef idx="minor">
+              <a:schemeClr val="lt1"/>
+            </a:fontRef>
+          </p:style>
+          <p:txBody>
+            <a:bodyPr rot="0" spcFirstLastPara="0" vertOverflow="overflow" horzOverflow="overflow" vert="horz" wrap="square" lIns="0" tIns="0" rIns="0" bIns="0" numCol="1" spcCol="0" rtlCol="0" fromWordArt="0" anchor="ctr" anchorCtr="0" forceAA="0" compatLnSpc="1">
+              <a:prstTxWarp prst="textNoShape">
+                <a:avLst/>
+              </a:prstTxWarp>
+              <a:noAutofit/>
+            </a:bodyPr>
+            <a:lstStyle/>
+            <a:p>
+              <a:pPr algn="ctr"/>
+              <a:r>
+                <a:rPr lang="en-US" sz="1001" b="1" dirty="0">
+                  <a:solidFill>
+                    <a:schemeClr val="accent5">
+                      <a:lumMod val="50000"/>
+                    </a:schemeClr>
+                  </a:solidFill>
+                  <a:latin typeface="Arial" panose="020B0604020202020204" pitchFamily="34" charset="0"/>
+                  <a:cs typeface="Arial" panose="020B0604020202020204" pitchFamily="34" charset="0"/>
+                </a:rPr>
+                <a:t>Feature</a:t>
+              </a:r>
+              <a:br>
+                <a:rPr lang="en-US" sz="1001" b="1" dirty="0">
+                  <a:solidFill>
+                    <a:schemeClr val="accent5">
+                      <a:lumMod val="50000"/>
+                    </a:schemeClr>
+                  </a:solidFill>
+                  <a:latin typeface="Arial" panose="020B0604020202020204" pitchFamily="34" charset="0"/>
+                  <a:cs typeface="Arial" panose="020B0604020202020204" pitchFamily="34" charset="0"/>
+                </a:rPr>
+              </a:br>
+              <a:r>
+                <a:rPr lang="en-US" sz="1001" b="1" dirty="0">
+                  <a:solidFill>
+                    <a:schemeClr val="accent5">
+                      <a:lumMod val="50000"/>
+                    </a:schemeClr>
+                  </a:solidFill>
+                  <a:latin typeface="Arial" panose="020B0604020202020204" pitchFamily="34" charset="0"/>
+                  <a:cs typeface="Arial" panose="020B0604020202020204" pitchFamily="34" charset="0"/>
+                </a:rPr>
+                <a:t>Table</a:t>
+              </a:r>
+            </a:p>
+          </p:txBody>
+        </p:sp>
+        <p:sp>
+          <p:nvSpPr>
+            <p:cNvPr id="58" name="Rectangle: Rounded Corners 102">
+              <a:extLst>
+                <a:ext uri="{FF2B5EF4-FFF2-40B4-BE49-F238E27FC236}">
+                  <a16:creationId xmlns:a16="http://schemas.microsoft.com/office/drawing/2014/main" id="{8BA5C75C-D8A5-5442-A594-9B3F31BCC0F6}"/>
+                </a:ext>
+              </a:extLst>
+            </p:cNvPr>
+            <p:cNvSpPr/>
+            <p:nvPr/>
+          </p:nvSpPr>
+          <p:spPr>
+            <a:xfrm>
+              <a:off x="3537497" y="2002516"/>
+              <a:ext cx="900000" cy="432000"/>
+            </a:xfrm>
+            <a:prstGeom prst="roundRect">
+              <a:avLst/>
+            </a:prstGeom>
+            <a:solidFill>
+              <a:schemeClr val="accent5">
+                <a:lumMod val="40000"/>
+                <a:lumOff val="60000"/>
+              </a:schemeClr>
+            </a:solidFill>
+            <a:ln w="19050">
+              <a:solidFill>
+                <a:schemeClr val="accent5">
+                  <a:lumMod val="50000"/>
+                </a:schemeClr>
+              </a:solidFill>
+            </a:ln>
+          </p:spPr>
+          <p:style>
+            <a:lnRef idx="2">
+              <a:schemeClr val="accent1">
+                <a:shade val="50000"/>
+              </a:schemeClr>
+            </a:lnRef>
+            <a:fillRef idx="1">
+              <a:schemeClr val="accent1"/>
+            </a:fillRef>
+            <a:effectRef idx="0">
+              <a:schemeClr val="accent1"/>
+            </a:effectRef>
+            <a:fontRef idx="minor">
+              <a:schemeClr val="lt1"/>
+            </a:fontRef>
+          </p:style>
+          <p:txBody>
+            <a:bodyPr rot="0" spcFirstLastPara="0" vertOverflow="overflow" horzOverflow="overflow" vert="horz" wrap="square" lIns="0" tIns="0" rIns="0" bIns="0" numCol="1" spcCol="0" rtlCol="0" fromWordArt="0" anchor="ctr" anchorCtr="0" forceAA="0" compatLnSpc="1">
+              <a:prstTxWarp prst="textNoShape">
+                <a:avLst/>
+              </a:prstTxWarp>
+              <a:noAutofit/>
+            </a:bodyPr>
+            <a:lstStyle/>
+            <a:p>
+              <a:pPr algn="ctr"/>
+              <a:r>
+                <a:rPr lang="en-US" sz="1001" b="1" dirty="0">
+                  <a:solidFill>
+                    <a:schemeClr val="accent5">
+                      <a:lumMod val="50000"/>
+                    </a:schemeClr>
+                  </a:solidFill>
+                  <a:latin typeface="Arial" panose="020B0604020202020204" pitchFamily="34" charset="0"/>
+                  <a:cs typeface="Arial" panose="020B0604020202020204" pitchFamily="34" charset="0"/>
+                </a:rPr>
+                <a:t>Feature</a:t>
+              </a:r>
+              <a:br>
+                <a:rPr lang="en-US" sz="1001" b="1" dirty="0">
+                  <a:solidFill>
+                    <a:schemeClr val="accent5">
+                      <a:lumMod val="50000"/>
+                    </a:schemeClr>
+                  </a:solidFill>
+                  <a:latin typeface="Arial" panose="020B0604020202020204" pitchFamily="34" charset="0"/>
+                  <a:cs typeface="Arial" panose="020B0604020202020204" pitchFamily="34" charset="0"/>
+                </a:rPr>
+              </a:br>
+              <a:r>
+                <a:rPr lang="en-US" sz="1001" b="1" dirty="0">
+                  <a:solidFill>
+                    <a:schemeClr val="accent5">
+                      <a:lumMod val="50000"/>
+                    </a:schemeClr>
+                  </a:solidFill>
+                  <a:latin typeface="Arial" panose="020B0604020202020204" pitchFamily="34" charset="0"/>
+                  <a:cs typeface="Arial" panose="020B0604020202020204" pitchFamily="34" charset="0"/>
+                </a:rPr>
+                <a:t>Sequence</a:t>
+              </a:r>
+            </a:p>
+          </p:txBody>
+        </p:sp>
+      </p:grpSp>
       <p:cxnSp>
         <p:nvCxnSpPr>
-          <p:cNvPr id="278" name="Straight Arrow Connector 277">
+          <p:cNvPr id="66" name="Straight Arrow Connector 22">
             <a:extLst>
               <a:ext uri="{FF2B5EF4-FFF2-40B4-BE49-F238E27FC236}">
-                <a16:creationId xmlns:a16="http://schemas.microsoft.com/office/drawing/2014/main" id="{6A730A7E-A132-4AD9-82D4-DF3F902F1CA5}"/>
+                <a16:creationId xmlns:a16="http://schemas.microsoft.com/office/drawing/2014/main" id="{65713D7D-3DBF-2F44-A26E-05ACFA675943}"/>
               </a:ext>
             </a:extLst>
           </p:cNvPr>
           <p:cNvCxnSpPr>
             <a:cxnSpLocks/>
-            <a:stCxn id="213" idx="2"/>
-            <a:endCxn id="271" idx="0"/>
+            <a:stCxn id="57" idx="2"/>
+            <a:endCxn id="53" idx="0"/>
           </p:cNvCxnSpPr>
           <p:nvPr/>
         </p:nvCxnSpPr>
         <p:spPr>
-          <a:xfrm rot="5400000">
-            <a:off x="1620762" y="5435374"/>
-            <a:ext cx="1687741" cy="1028736"/>
+          <a:xfrm rot="16200000" flipH="1">
+            <a:off x="3068631" y="2022427"/>
+            <a:ext cx="270738" cy="450000"/>
           </a:xfrm>
           <a:prstGeom prst="curvedConnector3">
             <a:avLst>
@@ -5534,27 +5871,29 @@
       </p:cxnSp>
       <p:cxnSp>
         <p:nvCxnSpPr>
-          <p:cNvPr id="283" name="Straight Arrow Connector 282">
+          <p:cNvPr id="71" name="Straight Arrow Connector 22">
             <a:extLst>
               <a:ext uri="{FF2B5EF4-FFF2-40B4-BE49-F238E27FC236}">
-                <a16:creationId xmlns:a16="http://schemas.microsoft.com/office/drawing/2014/main" id="{D6F8C0F0-4EF1-4176-BDF4-66B045FFE3D6}"/>
+                <a16:creationId xmlns:a16="http://schemas.microsoft.com/office/drawing/2014/main" id="{EAB44F88-6E26-554D-932A-5B2317F8AD17}"/>
               </a:ext>
             </a:extLst>
           </p:cNvPr>
           <p:cNvCxnSpPr>
             <a:cxnSpLocks/>
-            <a:stCxn id="107" idx="2"/>
-            <a:endCxn id="256" idx="0"/>
+            <a:stCxn id="58" idx="2"/>
+            <a:endCxn id="53" idx="0"/>
           </p:cNvCxnSpPr>
           <p:nvPr/>
         </p:nvCxnSpPr>
         <p:spPr>
-          <a:xfrm>
-            <a:off x="871432" y="7158241"/>
-            <a:ext cx="0" cy="282563"/>
-          </a:xfrm>
-          <a:prstGeom prst="straightConnector1">
-            <a:avLst/>
+          <a:xfrm rot="5400000">
+            <a:off x="3518631" y="2022427"/>
+            <a:ext cx="270738" cy="450000"/>
+          </a:xfrm>
+          <a:prstGeom prst="curvedConnector3">
+            <a:avLst>
+              <a:gd name="adj1" fmla="val 50000"/>
+            </a:avLst>
           </a:prstGeom>
           <a:ln w="19050">
             <a:solidFill>
@@ -5580,127 +5919,31 @@
           </a:fontRef>
         </p:style>
       </p:cxnSp>
-      <p:sp>
-        <p:nvSpPr>
-          <p:cNvPr id="295" name="Rectangle: Rounded Corners 294">
+      <p:cxnSp>
+        <p:nvCxnSpPr>
+          <p:cNvPr id="74" name="Straight Arrow Connector 22">
             <a:extLst>
               <a:ext uri="{FF2B5EF4-FFF2-40B4-BE49-F238E27FC236}">
-                <a16:creationId xmlns:a16="http://schemas.microsoft.com/office/drawing/2014/main" id="{A4C882E3-6EC7-46CB-8920-27F7EEDFD857}"/>
-              </a:ext>
-            </a:extLst>
-          </p:cNvPr>
-          <p:cNvSpPr/>
-          <p:nvPr/>
-        </p:nvSpPr>
-        <p:spPr>
-          <a:xfrm>
-            <a:off x="1500264" y="7440804"/>
-            <a:ext cx="900000" cy="432000"/>
-          </a:xfrm>
-          <a:prstGeom prst="roundRect">
-            <a:avLst/>
-          </a:prstGeom>
-          <a:solidFill>
-            <a:schemeClr val="accent5">
-              <a:lumMod val="40000"/>
-              <a:lumOff val="60000"/>
-            </a:schemeClr>
-          </a:solidFill>
-          <a:ln w="19050">
-            <a:solidFill>
-              <a:schemeClr val="accent5">
-                <a:lumMod val="50000"/>
-              </a:schemeClr>
-            </a:solidFill>
-          </a:ln>
-        </p:spPr>
-        <p:style>
-          <a:lnRef idx="2">
-            <a:schemeClr val="accent1">
-              <a:shade val="50000"/>
-            </a:schemeClr>
-          </a:lnRef>
-          <a:fillRef idx="1">
-            <a:schemeClr val="accent1"/>
-          </a:fillRef>
-          <a:effectRef idx="0">
-            <a:schemeClr val="accent1"/>
-          </a:effectRef>
-          <a:fontRef idx="minor">
-            <a:schemeClr val="lt1"/>
-          </a:fontRef>
-        </p:style>
-        <p:txBody>
-          <a:bodyPr rot="0" spcFirstLastPara="0" vertOverflow="overflow" horzOverflow="overflow" vert="horz" wrap="square" lIns="0" tIns="0" rIns="0" bIns="0" numCol="1" spcCol="0" rtlCol="0" fromWordArt="0" anchor="ctr" anchorCtr="0" forceAA="0" compatLnSpc="1">
-            <a:prstTxWarp prst="textNoShape">
-              <a:avLst/>
-            </a:prstTxWarp>
-            <a:noAutofit/>
-          </a:bodyPr>
-          <a:lstStyle/>
-          <a:p>
-            <a:pPr algn="ctr"/>
-            <a:r>
-              <a:rPr lang="en-US" sz="1001" b="1" dirty="0">
-                <a:solidFill>
-                  <a:schemeClr val="accent5">
-                    <a:lumMod val="50000"/>
-                  </a:schemeClr>
-                </a:solidFill>
-                <a:latin typeface="Arial" panose="020B0604020202020204" pitchFamily="34" charset="0"/>
-                <a:cs typeface="Arial" panose="020B0604020202020204" pitchFamily="34" charset="0"/>
-              </a:rPr>
-              <a:t>Distance</a:t>
-            </a:r>
-            <a:br>
-              <a:rPr lang="en-US" sz="1001" b="1" dirty="0">
-                <a:solidFill>
-                  <a:schemeClr val="accent5">
-                    <a:lumMod val="50000"/>
-                  </a:schemeClr>
-                </a:solidFill>
-                <a:latin typeface="Arial" panose="020B0604020202020204" pitchFamily="34" charset="0"/>
-                <a:cs typeface="Arial" panose="020B0604020202020204" pitchFamily="34" charset="0"/>
-              </a:rPr>
-            </a:br>
-            <a:r>
-              <a:rPr lang="en-US" sz="1001" b="1" dirty="0">
-                <a:solidFill>
-                  <a:schemeClr val="accent5">
-                    <a:lumMod val="50000"/>
-                  </a:schemeClr>
-                </a:solidFill>
-                <a:latin typeface="Arial" panose="020B0604020202020204" pitchFamily="34" charset="0"/>
-                <a:cs typeface="Arial" panose="020B0604020202020204" pitchFamily="34" charset="0"/>
-              </a:rPr>
-              <a:t>Matrix</a:t>
-            </a:r>
-          </a:p>
-        </p:txBody>
-      </p:sp>
-      <p:cxnSp>
-        <p:nvCxnSpPr>
-          <p:cNvPr id="296" name="Straight Arrow Connector 50">
-            <a:extLst>
-              <a:ext uri="{FF2B5EF4-FFF2-40B4-BE49-F238E27FC236}">
-                <a16:creationId xmlns:a16="http://schemas.microsoft.com/office/drawing/2014/main" id="{68AEDF82-DA92-4F91-9BA6-E1F174DD7D2C}"/>
+                <a16:creationId xmlns:a16="http://schemas.microsoft.com/office/drawing/2014/main" id="{7AF28BDA-E087-844A-9B75-AADA9416C630}"/>
               </a:ext>
             </a:extLst>
           </p:cNvPr>
           <p:cNvCxnSpPr>
             <a:cxnSpLocks/>
-            <a:stCxn id="271" idx="2"/>
-            <a:endCxn id="295" idx="0"/>
+            <a:stCxn id="101" idx="2"/>
+            <a:endCxn id="57" idx="0"/>
           </p:cNvCxnSpPr>
           <p:nvPr/>
         </p:nvCxnSpPr>
         <p:spPr>
-          <a:xfrm>
-            <a:off x="1950264" y="7225613"/>
-            <a:ext cx="0" cy="215191"/>
-          </a:xfrm>
-          <a:prstGeom prst="straightConnector1">
-            <a:avLst/>
+          <a:xfrm rot="5400000">
+            <a:off x="3068632" y="1319689"/>
+            <a:ext cx="270737" cy="450000"/>
+          </a:xfrm>
+          <a:prstGeom prst="curvedConnector3">
+            <a:avLst>
+              <a:gd name="adj1" fmla="val 50000"/>
+            </a:avLst>
           </a:prstGeom>
           <a:ln w="19050">
             <a:solidFill>
@@ -5728,367 +5971,29 @@
       </p:cxnSp>
       <p:cxnSp>
         <p:nvCxnSpPr>
-          <p:cNvPr id="300" name="Straight Arrow Connector 50">
+          <p:cNvPr id="77" name="Straight Arrow Connector 22">
             <a:extLst>
               <a:ext uri="{FF2B5EF4-FFF2-40B4-BE49-F238E27FC236}">
-                <a16:creationId xmlns:a16="http://schemas.microsoft.com/office/drawing/2014/main" id="{AEBE7E9E-21F8-4BD0-BAD1-BDC7B59F8932}"/>
+                <a16:creationId xmlns:a16="http://schemas.microsoft.com/office/drawing/2014/main" id="{1CE5AD1B-69D3-4F49-8603-32E2E2AC3724}"/>
               </a:ext>
             </a:extLst>
           </p:cNvPr>
           <p:cNvCxnSpPr>
             <a:cxnSpLocks/>
-            <a:stCxn id="295" idx="2"/>
-            <a:endCxn id="244" idx="0"/>
+            <a:stCxn id="101" idx="2"/>
+            <a:endCxn id="58" idx="0"/>
           </p:cNvCxnSpPr>
           <p:nvPr/>
         </p:nvCxnSpPr>
         <p:spPr>
-          <a:xfrm>
-            <a:off x="1950264" y="7872804"/>
-            <a:ext cx="0" cy="230121"/>
-          </a:xfrm>
-          <a:prstGeom prst="straightConnector1">
-            <a:avLst/>
-          </a:prstGeom>
-          <a:ln w="19050">
-            <a:solidFill>
-              <a:schemeClr val="accent4">
-                <a:lumMod val="50000"/>
-              </a:schemeClr>
-            </a:solidFill>
-            <a:tailEnd type="triangle"/>
-          </a:ln>
-        </p:spPr>
-        <p:style>
-          <a:lnRef idx="1">
-            <a:schemeClr val="accent1"/>
-          </a:lnRef>
-          <a:fillRef idx="0">
-            <a:schemeClr val="accent1"/>
-          </a:fillRef>
-          <a:effectRef idx="0">
-            <a:schemeClr val="accent1"/>
-          </a:effectRef>
-          <a:fontRef idx="minor">
-            <a:schemeClr val="tx1"/>
-          </a:fontRef>
-        </p:style>
-      </p:cxnSp>
-      <p:cxnSp>
-        <p:nvCxnSpPr>
-          <p:cNvPr id="305" name="Straight Arrow Connector 50">
-            <a:extLst>
-              <a:ext uri="{FF2B5EF4-FFF2-40B4-BE49-F238E27FC236}">
-                <a16:creationId xmlns:a16="http://schemas.microsoft.com/office/drawing/2014/main" id="{8342574B-2FC4-4727-8DC5-8FFF2D493214}"/>
-              </a:ext>
-            </a:extLst>
-          </p:cNvPr>
-          <p:cNvCxnSpPr>
-            <a:cxnSpLocks/>
-            <a:stCxn id="131" idx="2"/>
-            <a:endCxn id="245" idx="0"/>
-          </p:cNvCxnSpPr>
-          <p:nvPr/>
-        </p:nvCxnSpPr>
-        <p:spPr>
-          <a:xfrm>
-            <a:off x="2979000" y="7872804"/>
-            <a:ext cx="0" cy="230121"/>
-          </a:xfrm>
-          <a:prstGeom prst="straightConnector1">
-            <a:avLst/>
-          </a:prstGeom>
-          <a:ln w="19050">
-            <a:solidFill>
-              <a:schemeClr val="accent4">
-                <a:lumMod val="50000"/>
-              </a:schemeClr>
-            </a:solidFill>
-            <a:tailEnd type="triangle"/>
-          </a:ln>
-        </p:spPr>
-        <p:style>
-          <a:lnRef idx="1">
-            <a:schemeClr val="accent1"/>
-          </a:lnRef>
-          <a:fillRef idx="0">
-            <a:schemeClr val="accent1"/>
-          </a:fillRef>
-          <a:effectRef idx="0">
-            <a:schemeClr val="accent1"/>
-          </a:effectRef>
-          <a:fontRef idx="minor">
-            <a:schemeClr val="tx1"/>
-          </a:fontRef>
-        </p:style>
-      </p:cxnSp>
-      <p:sp>
-        <p:nvSpPr>
-          <p:cNvPr id="313" name="Rectangle: Rounded Corners 312">
-            <a:extLst>
-              <a:ext uri="{FF2B5EF4-FFF2-40B4-BE49-F238E27FC236}">
-                <a16:creationId xmlns:a16="http://schemas.microsoft.com/office/drawing/2014/main" id="{76F5F15D-2329-478B-84DE-51AB7E1C49FE}"/>
-              </a:ext>
-            </a:extLst>
-          </p:cNvPr>
-          <p:cNvSpPr/>
-          <p:nvPr/>
-        </p:nvSpPr>
-        <p:spPr>
-          <a:xfrm>
-            <a:off x="2529000" y="8693046"/>
-            <a:ext cx="900000" cy="432000"/>
-          </a:xfrm>
-          <a:prstGeom prst="roundRect">
-            <a:avLst/>
-          </a:prstGeom>
-          <a:solidFill>
-            <a:schemeClr val="accent5">
-              <a:lumMod val="40000"/>
-              <a:lumOff val="60000"/>
-            </a:schemeClr>
-          </a:solidFill>
-          <a:ln w="19050">
-            <a:solidFill>
-              <a:schemeClr val="accent5">
-                <a:lumMod val="50000"/>
-              </a:schemeClr>
-            </a:solidFill>
-          </a:ln>
-        </p:spPr>
-        <p:style>
-          <a:lnRef idx="2">
-            <a:schemeClr val="accent1">
-              <a:shade val="50000"/>
-            </a:schemeClr>
-          </a:lnRef>
-          <a:fillRef idx="1">
-            <a:schemeClr val="accent1"/>
-          </a:fillRef>
-          <a:effectRef idx="0">
-            <a:schemeClr val="accent1"/>
-          </a:effectRef>
-          <a:fontRef idx="minor">
-            <a:schemeClr val="lt1"/>
-          </a:fontRef>
-        </p:style>
-        <p:txBody>
-          <a:bodyPr rot="0" spcFirstLastPara="0" vertOverflow="overflow" horzOverflow="overflow" vert="horz" wrap="square" lIns="0" tIns="0" rIns="0" bIns="0" numCol="1" spcCol="0" rtlCol="0" fromWordArt="0" anchor="ctr" anchorCtr="0" forceAA="0" compatLnSpc="1">
-            <a:prstTxWarp prst="textNoShape">
-              <a:avLst/>
-            </a:prstTxWarp>
-            <a:noAutofit/>
-          </a:bodyPr>
-          <a:lstStyle/>
-          <a:p>
-            <a:pPr algn="ctr"/>
-            <a:r>
-              <a:rPr lang="en-US" sz="1001" b="1" dirty="0">
-                <a:solidFill>
-                  <a:schemeClr val="accent5">
-                    <a:lumMod val="50000"/>
-                  </a:schemeClr>
-                </a:solidFill>
-                <a:latin typeface="Arial" panose="020B0604020202020204" pitchFamily="34" charset="0"/>
-                <a:cs typeface="Arial" panose="020B0604020202020204" pitchFamily="34" charset="0"/>
-              </a:rPr>
-              <a:t>NMDS</a:t>
-            </a:r>
-            <a:br>
-              <a:rPr lang="en-US" sz="1001" b="1" dirty="0">
-                <a:solidFill>
-                  <a:schemeClr val="accent5">
-                    <a:lumMod val="50000"/>
-                  </a:schemeClr>
-                </a:solidFill>
-                <a:latin typeface="Arial" panose="020B0604020202020204" pitchFamily="34" charset="0"/>
-                <a:cs typeface="Arial" panose="020B0604020202020204" pitchFamily="34" charset="0"/>
-              </a:rPr>
-            </a:br>
-            <a:r>
-              <a:rPr lang="en-US" sz="1001" b="1" dirty="0">
-                <a:solidFill>
-                  <a:schemeClr val="accent5">
-                    <a:lumMod val="50000"/>
-                  </a:schemeClr>
-                </a:solidFill>
-                <a:latin typeface="Arial" panose="020B0604020202020204" pitchFamily="34" charset="0"/>
-                <a:cs typeface="Arial" panose="020B0604020202020204" pitchFamily="34" charset="0"/>
-              </a:rPr>
-              <a:t>Plot</a:t>
-            </a:r>
-          </a:p>
-        </p:txBody>
-      </p:sp>
-      <p:sp>
-        <p:nvSpPr>
-          <p:cNvPr id="314" name="Rectangle: Rounded Corners 313">
-            <a:extLst>
-              <a:ext uri="{FF2B5EF4-FFF2-40B4-BE49-F238E27FC236}">
-                <a16:creationId xmlns:a16="http://schemas.microsoft.com/office/drawing/2014/main" id="{7E48C231-E634-470A-B66E-C82A5D714FE0}"/>
-              </a:ext>
-            </a:extLst>
-          </p:cNvPr>
-          <p:cNvSpPr/>
-          <p:nvPr/>
-        </p:nvSpPr>
-        <p:spPr>
-          <a:xfrm>
-            <a:off x="1500264" y="8693046"/>
-            <a:ext cx="900000" cy="432000"/>
-          </a:xfrm>
-          <a:prstGeom prst="roundRect">
-            <a:avLst/>
-          </a:prstGeom>
-          <a:solidFill>
-            <a:schemeClr val="accent5">
-              <a:lumMod val="40000"/>
-              <a:lumOff val="60000"/>
-            </a:schemeClr>
-          </a:solidFill>
-          <a:ln w="19050">
-            <a:solidFill>
-              <a:schemeClr val="accent5">
-                <a:lumMod val="50000"/>
-              </a:schemeClr>
-            </a:solidFill>
-          </a:ln>
-        </p:spPr>
-        <p:style>
-          <a:lnRef idx="2">
-            <a:schemeClr val="accent1">
-              <a:shade val="50000"/>
-            </a:schemeClr>
-          </a:lnRef>
-          <a:fillRef idx="1">
-            <a:schemeClr val="accent1"/>
-          </a:fillRef>
-          <a:effectRef idx="0">
-            <a:schemeClr val="accent1"/>
-          </a:effectRef>
-          <a:fontRef idx="minor">
-            <a:schemeClr val="lt1"/>
-          </a:fontRef>
-        </p:style>
-        <p:txBody>
-          <a:bodyPr rot="0" spcFirstLastPara="0" vertOverflow="overflow" horzOverflow="overflow" vert="horz" wrap="square" lIns="0" tIns="0" rIns="0" bIns="0" numCol="1" spcCol="0" rtlCol="0" fromWordArt="0" anchor="ctr" anchorCtr="0" forceAA="0" compatLnSpc="1">
-            <a:prstTxWarp prst="textNoShape">
-              <a:avLst/>
-            </a:prstTxWarp>
-            <a:noAutofit/>
-          </a:bodyPr>
-          <a:lstStyle/>
-          <a:p>
-            <a:pPr algn="ctr"/>
-            <a:r>
-              <a:rPr lang="en-US" sz="1001" b="1" dirty="0" err="1">
-                <a:solidFill>
-                  <a:schemeClr val="accent5">
-                    <a:lumMod val="50000"/>
-                  </a:schemeClr>
-                </a:solidFill>
-                <a:latin typeface="Arial" panose="020B0604020202020204" pitchFamily="34" charset="0"/>
-                <a:cs typeface="Arial" panose="020B0604020202020204" pitchFamily="34" charset="0"/>
-              </a:rPr>
-              <a:t>PCoA</a:t>
-            </a:r>
-            <a:br>
-              <a:rPr lang="en-US" sz="1001" b="1" dirty="0">
-                <a:solidFill>
-                  <a:schemeClr val="accent5">
-                    <a:lumMod val="50000"/>
-                  </a:schemeClr>
-                </a:solidFill>
-                <a:latin typeface="Arial" panose="020B0604020202020204" pitchFamily="34" charset="0"/>
-                <a:cs typeface="Arial" panose="020B0604020202020204" pitchFamily="34" charset="0"/>
-              </a:rPr>
-            </a:br>
-            <a:r>
-              <a:rPr lang="en-US" sz="1001" b="1" dirty="0">
-                <a:solidFill>
-                  <a:schemeClr val="accent5">
-                    <a:lumMod val="50000"/>
-                  </a:schemeClr>
-                </a:solidFill>
-                <a:latin typeface="Arial" panose="020B0604020202020204" pitchFamily="34" charset="0"/>
-                <a:cs typeface="Arial" panose="020B0604020202020204" pitchFamily="34" charset="0"/>
-              </a:rPr>
-              <a:t>Plot</a:t>
-            </a:r>
-          </a:p>
-        </p:txBody>
-      </p:sp>
-      <p:cxnSp>
-        <p:nvCxnSpPr>
-          <p:cNvPr id="315" name="Straight Arrow Connector 50">
-            <a:extLst>
-              <a:ext uri="{FF2B5EF4-FFF2-40B4-BE49-F238E27FC236}">
-                <a16:creationId xmlns:a16="http://schemas.microsoft.com/office/drawing/2014/main" id="{922654C0-C0C0-4DB3-A4C3-43F21863F441}"/>
-              </a:ext>
-            </a:extLst>
-          </p:cNvPr>
-          <p:cNvCxnSpPr>
-            <a:cxnSpLocks/>
-            <a:stCxn id="244" idx="2"/>
-            <a:endCxn id="314" idx="0"/>
-          </p:cNvCxnSpPr>
-          <p:nvPr/>
-        </p:nvCxnSpPr>
-        <p:spPr>
-          <a:xfrm>
-            <a:off x="1950264" y="8462925"/>
-            <a:ext cx="0" cy="230121"/>
-          </a:xfrm>
-          <a:prstGeom prst="straightConnector1">
-            <a:avLst/>
-          </a:prstGeom>
-          <a:ln w="19050">
-            <a:solidFill>
-              <a:schemeClr val="accent4">
-                <a:lumMod val="50000"/>
-              </a:schemeClr>
-            </a:solidFill>
-            <a:tailEnd type="triangle"/>
-          </a:ln>
-        </p:spPr>
-        <p:style>
-          <a:lnRef idx="1">
-            <a:schemeClr val="accent1"/>
-          </a:lnRef>
-          <a:fillRef idx="0">
-            <a:schemeClr val="accent1"/>
-          </a:fillRef>
-          <a:effectRef idx="0">
-            <a:schemeClr val="accent1"/>
-          </a:effectRef>
-          <a:fontRef idx="minor">
-            <a:schemeClr val="tx1"/>
-          </a:fontRef>
-        </p:style>
-      </p:cxnSp>
-      <p:cxnSp>
-        <p:nvCxnSpPr>
-          <p:cNvPr id="319" name="Straight Arrow Connector 50">
-            <a:extLst>
-              <a:ext uri="{FF2B5EF4-FFF2-40B4-BE49-F238E27FC236}">
-                <a16:creationId xmlns:a16="http://schemas.microsoft.com/office/drawing/2014/main" id="{C35C95E7-B8A3-4A2D-8E9D-391A8DBD8077}"/>
-              </a:ext>
-            </a:extLst>
-          </p:cNvPr>
-          <p:cNvCxnSpPr>
-            <a:cxnSpLocks/>
-            <a:stCxn id="245" idx="2"/>
-            <a:endCxn id="313" idx="0"/>
-          </p:cNvCxnSpPr>
-          <p:nvPr/>
-        </p:nvCxnSpPr>
-        <p:spPr>
-          <a:xfrm>
-            <a:off x="2979000" y="8462925"/>
-            <a:ext cx="0" cy="230121"/>
-          </a:xfrm>
-          <a:prstGeom prst="straightConnector1">
-            <a:avLst/>
+          <a:xfrm rot="16200000" flipH="1">
+            <a:off x="3518632" y="1319689"/>
+            <a:ext cx="270737" cy="450000"/>
+          </a:xfrm>
+          <a:prstGeom prst="curvedConnector3">
+            <a:avLst>
+              <a:gd name="adj1" fmla="val 50000"/>
+            </a:avLst>
           </a:prstGeom>
           <a:ln w="19050">
             <a:solidFill>
